--- a/your-project/Proyecto 1 - Juego.pptx
+++ b/your-project/Proyecto 1 - Juego.pptx
@@ -107,6 +107,11 @@
       </a:defRPr>
     </a:lvl9pPr>
   </p:defaultTextStyle>
+  <p:extLst>
+    <p:ext uri="{EFAFB233-063F-42B5-8137-9DF3F51BA10A}">
+      <p15:sldGuideLst xmlns:p15="http://schemas.microsoft.com/office/powerpoint/2012/main"/>
+    </p:ext>
+  </p:extLst>
 </p:presentation>
 </file>
 
@@ -12533,6 +12538,14 @@
 <file path=ppt/slides/slide3.xml><?xml version="1.0" encoding="utf-8"?>
 <p:sld xmlns:a="http://schemas.openxmlformats.org/drawingml/2006/main" xmlns:r="http://schemas.openxmlformats.org/officeDocument/2006/relationships" xmlns:p="http://schemas.openxmlformats.org/presentationml/2006/main">
   <p:cSld>
+    <p:bg>
+      <p:bgPr>
+        <a:solidFill>
+          <a:schemeClr val="bg1"/>
+        </a:solidFill>
+        <a:effectLst/>
+      </p:bgPr>
+    </p:bg>
     <p:spTree>
       <p:nvGrpSpPr>
         <p:cNvPr id="1" name=""/>
@@ -12549,6 +12562,433 @@
       </p:grpSpPr>
       <p:sp>
         <p:nvSpPr>
+          <p:cNvPr id="12" name="Rectangle 11">
+            <a:extLst>
+              <a:ext uri="{FF2B5EF4-FFF2-40B4-BE49-F238E27FC236}">
+                <a16:creationId xmlns:a16="http://schemas.microsoft.com/office/drawing/2014/main" id="{C43A114B-CAF8-402E-A898-DEE2C2022EBD}"/>
+              </a:ext>
+              <a:ext uri="{C183D7F6-B498-43B3-948B-1728B52AA6E4}">
+                <adec:decorative xmlns:adec="http://schemas.microsoft.com/office/drawing/2017/decorative" val="1"/>
+              </a:ext>
+            </a:extLst>
+          </p:cNvPr>
+          <p:cNvSpPr>
+            <a:spLocks noGrp="1" noRot="1" noChangeAspect="1" noMove="1" noResize="1" noEditPoints="1" noAdjustHandles="1" noChangeArrowheads="1" noChangeShapeType="1" noTextEdit="1"/>
+          </p:cNvSpPr>
+          <p:nvPr>
+            <p:extLst>
+              <p:ext uri="{386F3935-93C4-4BCD-93E2-E3B085C9AB24}">
+                <p16:designElem xmlns:p16="http://schemas.microsoft.com/office/powerpoint/2015/main" val="1"/>
+              </p:ext>
+            </p:extLst>
+          </p:nvPr>
+        </p:nvSpPr>
+        <p:spPr>
+          <a:xfrm>
+            <a:off x="0" y="0"/>
+            <a:ext cx="12192000" cy="6858000"/>
+          </a:xfrm>
+          <a:prstGeom prst="rect">
+            <a:avLst/>
+          </a:prstGeom>
+          <a:blipFill>
+            <a:blip r:embed="rId2">
+              <a:duotone>
+                <a:schemeClr val="dk2">
+                  <a:shade val="69000"/>
+                  <a:hueMod val="108000"/>
+                  <a:satMod val="164000"/>
+                  <a:lumMod val="74000"/>
+                </a:schemeClr>
+                <a:schemeClr val="dk2">
+                  <a:tint val="96000"/>
+                  <a:hueMod val="88000"/>
+                  <a:satMod val="140000"/>
+                  <a:lumMod val="132000"/>
+                </a:schemeClr>
+              </a:duotone>
+            </a:blip>
+            <a:stretch>
+              <a:fillRect/>
+            </a:stretch>
+          </a:blipFill>
+          <a:ln>
+            <a:noFill/>
+          </a:ln>
+        </p:spPr>
+        <p:style>
+          <a:lnRef idx="2">
+            <a:schemeClr val="accent1">
+              <a:shade val="50000"/>
+            </a:schemeClr>
+          </a:lnRef>
+          <a:fillRef idx="1">
+            <a:schemeClr val="accent1"/>
+          </a:fillRef>
+          <a:effectRef idx="0">
+            <a:schemeClr val="accent1"/>
+          </a:effectRef>
+          <a:fontRef idx="minor">
+            <a:schemeClr val="lt1"/>
+          </a:fontRef>
+        </p:style>
+      </p:sp>
+      <p:sp>
+        <p:nvSpPr>
+          <p:cNvPr id="14" name="Oval 13">
+            <a:extLst>
+              <a:ext uri="{FF2B5EF4-FFF2-40B4-BE49-F238E27FC236}">
+                <a16:creationId xmlns:a16="http://schemas.microsoft.com/office/drawing/2014/main" id="{64E68BB1-DCF6-49AB-8FF1-7E68DCBCD111}"/>
+              </a:ext>
+              <a:ext uri="{C183D7F6-B498-43B3-948B-1728B52AA6E4}">
+                <adec:decorative xmlns:adec="http://schemas.microsoft.com/office/drawing/2017/decorative" val="1"/>
+              </a:ext>
+            </a:extLst>
+          </p:cNvPr>
+          <p:cNvSpPr>
+            <a:spLocks noGrp="1" noRot="1" noChangeAspect="1" noMove="1" noResize="1" noEditPoints="1" noAdjustHandles="1" noChangeArrowheads="1" noChangeShapeType="1" noTextEdit="1"/>
+          </p:cNvSpPr>
+          <p:nvPr>
+            <p:extLst>
+              <p:ext uri="{386F3935-93C4-4BCD-93E2-E3B085C9AB24}">
+                <p16:designElem xmlns:p16="http://schemas.microsoft.com/office/powerpoint/2015/main" val="1"/>
+              </p:ext>
+            </p:extLst>
+          </p:nvPr>
+        </p:nvSpPr>
+        <p:spPr>
+          <a:xfrm>
+            <a:off x="8761412" y="1828800"/>
+            <a:ext cx="2819400" cy="2819400"/>
+          </a:xfrm>
+          <a:prstGeom prst="ellipse">
+            <a:avLst/>
+          </a:prstGeom>
+          <a:gradFill flip="none" rotWithShape="1">
+            <a:gsLst>
+              <a:gs pos="0">
+                <a:schemeClr val="accent5">
+                  <a:alpha val="7000"/>
+                </a:schemeClr>
+              </a:gs>
+              <a:gs pos="69000">
+                <a:schemeClr val="accent5">
+                  <a:alpha val="0"/>
+                </a:schemeClr>
+              </a:gs>
+              <a:gs pos="36000">
+                <a:schemeClr val="accent5">
+                  <a:alpha val="6000"/>
+                </a:schemeClr>
+              </a:gs>
+            </a:gsLst>
+            <a:path path="circle">
+              <a:fillToRect l="50000" t="50000" r="50000" b="50000"/>
+            </a:path>
+            <a:tileRect/>
+          </a:gradFill>
+          <a:ln>
+            <a:noFill/>
+          </a:ln>
+          <a:effectLst/>
+        </p:spPr>
+        <p:style>
+          <a:lnRef idx="1">
+            <a:schemeClr val="accent1"/>
+          </a:lnRef>
+          <a:fillRef idx="3">
+            <a:schemeClr val="accent1"/>
+          </a:fillRef>
+          <a:effectRef idx="2">
+            <a:schemeClr val="accent1"/>
+          </a:effectRef>
+          <a:fontRef idx="minor">
+            <a:schemeClr val="lt1"/>
+          </a:fontRef>
+        </p:style>
+      </p:sp>
+      <p:sp>
+        <p:nvSpPr>
+          <p:cNvPr id="16" name="Oval 15">
+            <a:extLst>
+              <a:ext uri="{FF2B5EF4-FFF2-40B4-BE49-F238E27FC236}">
+                <a16:creationId xmlns:a16="http://schemas.microsoft.com/office/drawing/2014/main" id="{DA9B8539-604B-420E-BA1B-0A2E64CD7C72}"/>
+              </a:ext>
+              <a:ext uri="{C183D7F6-B498-43B3-948B-1728B52AA6E4}">
+                <adec:decorative xmlns:adec="http://schemas.microsoft.com/office/drawing/2017/decorative" val="1"/>
+              </a:ext>
+            </a:extLst>
+          </p:cNvPr>
+          <p:cNvSpPr>
+            <a:spLocks noGrp="1" noRot="1" noChangeAspect="1" noMove="1" noResize="1" noEditPoints="1" noAdjustHandles="1" noChangeArrowheads="1" noChangeShapeType="1" noTextEdit="1"/>
+          </p:cNvSpPr>
+          <p:nvPr>
+            <p:extLst>
+              <p:ext uri="{386F3935-93C4-4BCD-93E2-E3B085C9AB24}">
+                <p16:designElem xmlns:p16="http://schemas.microsoft.com/office/powerpoint/2015/main" val="1"/>
+              </p:ext>
+            </p:extLst>
+          </p:nvPr>
+        </p:nvSpPr>
+        <p:spPr>
+          <a:xfrm>
+            <a:off x="8761412" y="5870955"/>
+            <a:ext cx="990600" cy="990600"/>
+          </a:xfrm>
+          <a:prstGeom prst="ellipse">
+            <a:avLst/>
+          </a:prstGeom>
+          <a:gradFill flip="none" rotWithShape="1">
+            <a:gsLst>
+              <a:gs pos="0">
+                <a:schemeClr val="accent5">
+                  <a:alpha val="14000"/>
+                </a:schemeClr>
+              </a:gs>
+              <a:gs pos="66000">
+                <a:schemeClr val="accent5">
+                  <a:alpha val="0"/>
+                </a:schemeClr>
+              </a:gs>
+              <a:gs pos="36000">
+                <a:schemeClr val="accent5">
+                  <a:alpha val="7000"/>
+                </a:schemeClr>
+              </a:gs>
+            </a:gsLst>
+            <a:path path="circle">
+              <a:fillToRect l="50000" t="50000" r="50000" b="50000"/>
+            </a:path>
+            <a:tileRect/>
+          </a:gradFill>
+          <a:ln>
+            <a:noFill/>
+          </a:ln>
+          <a:effectLst/>
+        </p:spPr>
+        <p:style>
+          <a:lnRef idx="1">
+            <a:schemeClr val="accent1"/>
+          </a:lnRef>
+          <a:fillRef idx="3">
+            <a:schemeClr val="accent1"/>
+          </a:fillRef>
+          <a:effectRef idx="2">
+            <a:schemeClr val="accent1"/>
+          </a:effectRef>
+          <a:fontRef idx="minor">
+            <a:schemeClr val="lt1"/>
+          </a:fontRef>
+        </p:style>
+      </p:sp>
+      <p:sp>
+        <p:nvSpPr>
+          <p:cNvPr id="18" name="Oval 17">
+            <a:extLst>
+              <a:ext uri="{FF2B5EF4-FFF2-40B4-BE49-F238E27FC236}">
+                <a16:creationId xmlns:a16="http://schemas.microsoft.com/office/drawing/2014/main" id="{7236CAA2-54C3-4136-B0CC-6837B14D8143}"/>
+              </a:ext>
+              <a:ext uri="{C183D7F6-B498-43B3-948B-1728B52AA6E4}">
+                <adec:decorative xmlns:adec="http://schemas.microsoft.com/office/drawing/2017/decorative" val="1"/>
+              </a:ext>
+            </a:extLst>
+          </p:cNvPr>
+          <p:cNvSpPr>
+            <a:spLocks noGrp="1" noRot="1" noChangeAspect="1" noMove="1" noResize="1" noEditPoints="1" noAdjustHandles="1" noChangeArrowheads="1" noChangeShapeType="1" noTextEdit="1"/>
+          </p:cNvSpPr>
+          <p:nvPr>
+            <p:extLst>
+              <p:ext uri="{386F3935-93C4-4BCD-93E2-E3B085C9AB24}">
+                <p16:designElem xmlns:p16="http://schemas.microsoft.com/office/powerpoint/2015/main" val="1"/>
+              </p:ext>
+            </p:extLst>
+          </p:nvPr>
+        </p:nvSpPr>
+        <p:spPr>
+          <a:xfrm>
+            <a:off x="-1588" y="2667000"/>
+            <a:ext cx="4191000" cy="4191000"/>
+          </a:xfrm>
+          <a:prstGeom prst="ellipse">
+            <a:avLst/>
+          </a:prstGeom>
+          <a:gradFill flip="none" rotWithShape="1">
+            <a:gsLst>
+              <a:gs pos="0">
+                <a:schemeClr val="accent5">
+                  <a:alpha val="11000"/>
+                </a:schemeClr>
+              </a:gs>
+              <a:gs pos="75000">
+                <a:schemeClr val="accent5">
+                  <a:alpha val="0"/>
+                </a:schemeClr>
+              </a:gs>
+              <a:gs pos="36000">
+                <a:schemeClr val="accent5">
+                  <a:alpha val="10000"/>
+                </a:schemeClr>
+              </a:gs>
+            </a:gsLst>
+            <a:path path="circle">
+              <a:fillToRect l="50000" t="50000" r="50000" b="50000"/>
+            </a:path>
+            <a:tileRect/>
+          </a:gradFill>
+          <a:ln>
+            <a:noFill/>
+          </a:ln>
+          <a:effectLst/>
+        </p:spPr>
+        <p:style>
+          <a:lnRef idx="1">
+            <a:schemeClr val="accent1"/>
+          </a:lnRef>
+          <a:fillRef idx="3">
+            <a:schemeClr val="accent1"/>
+          </a:fillRef>
+          <a:effectRef idx="2">
+            <a:schemeClr val="accent1"/>
+          </a:effectRef>
+          <a:fontRef idx="minor">
+            <a:schemeClr val="lt1"/>
+          </a:fontRef>
+        </p:style>
+      </p:sp>
+      <p:sp>
+        <p:nvSpPr>
+          <p:cNvPr id="20" name="Freeform 5">
+            <a:extLst>
+              <a:ext uri="{FF2B5EF4-FFF2-40B4-BE49-F238E27FC236}">
+                <a16:creationId xmlns:a16="http://schemas.microsoft.com/office/drawing/2014/main" id="{40F86E67-9E86-453F-92BC-648189829C2F}"/>
+              </a:ext>
+              <a:ext uri="{C183D7F6-B498-43B3-948B-1728B52AA6E4}">
+                <adec:decorative xmlns:adec="http://schemas.microsoft.com/office/drawing/2017/decorative" val="1"/>
+              </a:ext>
+            </a:extLst>
+          </p:cNvPr>
+          <p:cNvSpPr>
+            <a:spLocks noGrp="1" noRot="1" noChangeAspect="1" noMove="1" noResize="1" noEditPoints="1" noAdjustHandles="1" noChangeArrowheads="1" noChangeShapeType="1" noTextEdit="1"/>
+          </p:cNvSpPr>
+          <p:nvPr>
+            <p:extLst>
+              <p:ext uri="{386F3935-93C4-4BCD-93E2-E3B085C9AB24}">
+                <p16:designElem xmlns:p16="http://schemas.microsoft.com/office/powerpoint/2015/main" val="1"/>
+              </p:ext>
+            </p:extLst>
+          </p:nvPr>
+        </p:nvSpPr>
+        <p:spPr bwMode="gray">
+          <a:xfrm>
+            <a:off x="-1588" y="1587"/>
+            <a:ext cx="12192000" cy="6856413"/>
+          </a:xfrm>
+          <a:custGeom>
+            <a:avLst/>
+            <a:gdLst/>
+            <a:ahLst/>
+            <a:cxnLst/>
+            <a:rect l="0" t="0" r="r" b="b"/>
+            <a:pathLst>
+              <a:path w="15356" h="8638">
+                <a:moveTo>
+                  <a:pt x="0" y="0"/>
+                </a:moveTo>
+                <a:lnTo>
+                  <a:pt x="0" y="8638"/>
+                </a:lnTo>
+                <a:lnTo>
+                  <a:pt x="15356" y="8638"/>
+                </a:lnTo>
+                <a:lnTo>
+                  <a:pt x="15356" y="0"/>
+                </a:lnTo>
+                <a:lnTo>
+                  <a:pt x="0" y="0"/>
+                </a:lnTo>
+                <a:close/>
+                <a:moveTo>
+                  <a:pt x="14748" y="8038"/>
+                </a:moveTo>
+                <a:lnTo>
+                  <a:pt x="600" y="8038"/>
+                </a:lnTo>
+                <a:lnTo>
+                  <a:pt x="600" y="592"/>
+                </a:lnTo>
+                <a:lnTo>
+                  <a:pt x="14748" y="592"/>
+                </a:lnTo>
+                <a:lnTo>
+                  <a:pt x="14748" y="8038"/>
+                </a:lnTo>
+                <a:close/>
+              </a:path>
+            </a:pathLst>
+          </a:custGeom>
+          <a:solidFill>
+            <a:schemeClr val="bg1"/>
+          </a:solidFill>
+          <a:ln>
+            <a:noFill/>
+          </a:ln>
+        </p:spPr>
+      </p:sp>
+      <p:sp>
+        <p:nvSpPr>
+          <p:cNvPr id="22" name="Rectangle 21">
+            <a:extLst>
+              <a:ext uri="{FF2B5EF4-FFF2-40B4-BE49-F238E27FC236}">
+                <a16:creationId xmlns:a16="http://schemas.microsoft.com/office/drawing/2014/main" id="{F73C5439-21D4-46F3-9CF4-FF1CE786FF15}"/>
+              </a:ext>
+              <a:ext uri="{C183D7F6-B498-43B3-948B-1728B52AA6E4}">
+                <adec:decorative xmlns:adec="http://schemas.microsoft.com/office/drawing/2017/decorative" val="1"/>
+              </a:ext>
+            </a:extLst>
+          </p:cNvPr>
+          <p:cNvSpPr>
+            <a:spLocks noGrp="1" noRot="1" noChangeAspect="1" noMove="1" noResize="1" noEditPoints="1" noAdjustHandles="1" noChangeArrowheads="1" noChangeShapeType="1" noTextEdit="1"/>
+          </p:cNvSpPr>
+          <p:nvPr>
+            <p:extLst>
+              <p:ext uri="{386F3935-93C4-4BCD-93E2-E3B085C9AB24}">
+                <p16:designElem xmlns:p16="http://schemas.microsoft.com/office/powerpoint/2015/main" val="1"/>
+              </p:ext>
+            </p:extLst>
+          </p:nvPr>
+        </p:nvSpPr>
+        <p:spPr>
+          <a:xfrm>
+            <a:off x="10437812" y="0"/>
+            <a:ext cx="685800" cy="1143000"/>
+          </a:xfrm>
+          <a:prstGeom prst="rect">
+            <a:avLst/>
+          </a:prstGeom>
+          <a:solidFill>
+            <a:schemeClr val="accent1"/>
+          </a:solidFill>
+          <a:ln>
+            <a:noFill/>
+          </a:ln>
+        </p:spPr>
+        <p:style>
+          <a:lnRef idx="1">
+            <a:schemeClr val="accent1"/>
+          </a:lnRef>
+          <a:fillRef idx="3">
+            <a:schemeClr val="accent1"/>
+          </a:fillRef>
+          <a:effectRef idx="2">
+            <a:schemeClr val="accent1"/>
+          </a:effectRef>
+          <a:fontRef idx="minor">
+            <a:schemeClr val="lt1"/>
+          </a:fontRef>
+        </p:style>
+      </p:sp>
+      <p:sp>
+        <p:nvSpPr>
           <p:cNvPr id="2" name="Título 1">
             <a:extLst>
               <a:ext uri="{FF2B5EF4-FFF2-40B4-BE49-F238E27FC236}">
@@ -12563,43 +13003,500 @@
             <p:ph type="title"/>
           </p:nvPr>
         </p:nvSpPr>
-        <p:spPr/>
+        <p:spPr>
+          <a:xfrm>
+            <a:off x="8382055" y="1241266"/>
+            <a:ext cx="3161016" cy="3153753"/>
+          </a:xfrm>
+        </p:spPr>
         <p:txBody>
-          <a:bodyPr/>
+          <a:bodyPr vert="horz" lIns="91440" tIns="45720" rIns="91440" bIns="45720" rtlCol="0" anchor="b">
+            <a:normAutofit/>
+          </a:bodyPr>
           <a:lstStyle/>
           <a:p>
             <a:r>
-              <a:rPr lang="es-MX" dirty="0"/>
+              <a:rPr lang="en-US" sz="4200"/>
               <a:t>Flujograma</a:t>
             </a:r>
           </a:p>
         </p:txBody>
       </p:sp>
-      <p:sp>
-        <p:nvSpPr>
-          <p:cNvPr id="3" name="Marcador de contenido 2">
+      <p:grpSp>
+        <p:nvGrpSpPr>
+          <p:cNvPr id="24" name="Group 23">
             <a:extLst>
               <a:ext uri="{FF2B5EF4-FFF2-40B4-BE49-F238E27FC236}">
-                <a16:creationId xmlns:a16="http://schemas.microsoft.com/office/drawing/2014/main" id="{F26AD17A-37A8-476A-BF33-9A9ADBC9F8B1}"/>
+                <a16:creationId xmlns:a16="http://schemas.microsoft.com/office/drawing/2014/main" id="{227140B8-92FC-43F0-8CCA-F40052CE502D}"/>
+              </a:ext>
+              <a:ext uri="{C183D7F6-B498-43B3-948B-1728B52AA6E4}">
+                <adec:decorative xmlns:adec="http://schemas.microsoft.com/office/drawing/2017/decorative" val="1"/>
               </a:ext>
             </a:extLst>
           </p:cNvPr>
-          <p:cNvSpPr>
-            <a:spLocks noGrp="1"/>
-          </p:cNvSpPr>
+          <p:cNvGrpSpPr>
+            <a:grpSpLocks noGrp="1" noUngrp="1" noRot="1" noChangeAspect="1" noMove="1" noResize="1"/>
+          </p:cNvGrpSpPr>
           <p:nvPr>
-            <p:ph idx="1"/>
+            <p:extLst>
+              <p:ext uri="{386F3935-93C4-4BCD-93E2-E3B085C9AB24}">
+                <p16:designElem xmlns:p16="http://schemas.microsoft.com/office/powerpoint/2015/main" val="1"/>
+              </p:ext>
+            </p:extLst>
           </p:nvPr>
-        </p:nvSpPr>
-        <p:spPr/>
-        <p:txBody>
-          <a:bodyPr/>
-          <a:lstStyle/>
-          <a:p>
-            <a:endParaRPr lang="es-MX"/>
-          </a:p>
-        </p:txBody>
-      </p:sp>
+        </p:nvGrpSpPr>
+        <p:grpSpPr>
+          <a:xfrm>
+            <a:off x="423332" y="396837"/>
+            <a:ext cx="7906665" cy="6058999"/>
+            <a:chOff x="423332" y="396837"/>
+            <a:chExt cx="7906665" cy="6058999"/>
+          </a:xfrm>
+        </p:grpSpPr>
+        <p:sp>
+          <p:nvSpPr>
+            <p:cNvPr id="25" name="Rectangle 24">
+              <a:extLst>
+                <a:ext uri="{FF2B5EF4-FFF2-40B4-BE49-F238E27FC236}">
+                  <a16:creationId xmlns:a16="http://schemas.microsoft.com/office/drawing/2014/main" id="{E14FEF32-7604-4713-A9F1-9D90A6F78B99}"/>
+                </a:ext>
+                <a:ext uri="{C183D7F6-B498-43B3-948B-1728B52AA6E4}">
+                  <adec:decorative xmlns:adec="http://schemas.microsoft.com/office/drawing/2017/decorative" val="1"/>
+                </a:ext>
+              </a:extLst>
+            </p:cNvPr>
+            <p:cNvSpPr/>
+            <p:nvPr>
+              <p:extLst>
+                <p:ext uri="{386F3935-93C4-4BCD-93E2-E3B085C9AB24}">
+                  <p16:designElem xmlns:p16="http://schemas.microsoft.com/office/powerpoint/2015/main" val="1"/>
+                </p:ext>
+              </p:extLst>
+            </p:nvPr>
+          </p:nvSpPr>
+          <p:spPr bwMode="gray">
+            <a:xfrm flipH="1">
+              <a:off x="423332" y="402165"/>
+              <a:ext cx="6785133" cy="6053670"/>
+            </a:xfrm>
+            <a:prstGeom prst="rect">
+              <a:avLst/>
+            </a:prstGeom>
+            <a:solidFill>
+              <a:schemeClr val="bg1"/>
+            </a:solidFill>
+            <a:ln>
+              <a:noFill/>
+            </a:ln>
+            <a:effectLst/>
+          </p:spPr>
+          <p:style>
+            <a:lnRef idx="1">
+              <a:schemeClr val="accent1"/>
+            </a:lnRef>
+            <a:fillRef idx="3">
+              <a:schemeClr val="accent1"/>
+            </a:fillRef>
+            <a:effectRef idx="2">
+              <a:schemeClr val="accent1"/>
+            </a:effectRef>
+            <a:fontRef idx="minor">
+              <a:schemeClr val="lt1"/>
+            </a:fontRef>
+          </p:style>
+        </p:sp>
+        <p:sp>
+          <p:nvSpPr>
+            <p:cNvPr id="26" name="Freeform 5">
+              <a:extLst>
+                <a:ext uri="{FF2B5EF4-FFF2-40B4-BE49-F238E27FC236}">
+                  <a16:creationId xmlns:a16="http://schemas.microsoft.com/office/drawing/2014/main" id="{95AD3905-A7DD-4026-B7FD-C203CC3052E8}"/>
+                </a:ext>
+                <a:ext uri="{C183D7F6-B498-43B3-948B-1728B52AA6E4}">
+                  <adec:decorative xmlns:adec="http://schemas.microsoft.com/office/drawing/2017/decorative" val="1"/>
+                </a:ext>
+              </a:extLst>
+            </p:cNvPr>
+            <p:cNvSpPr/>
+            <p:nvPr>
+              <p:extLst>
+                <p:ext uri="{386F3935-93C4-4BCD-93E2-E3B085C9AB24}">
+                  <p16:designElem xmlns:p16="http://schemas.microsoft.com/office/powerpoint/2015/main" val="1"/>
+                </p:ext>
+              </p:extLst>
+            </p:nvPr>
+          </p:nvSpPr>
+          <p:spPr bwMode="gray">
+            <a:xfrm rot="5400000" flipH="1">
+              <a:off x="4616676" y="2801722"/>
+              <a:ext cx="6053670" cy="1254558"/>
+            </a:xfrm>
+            <a:custGeom>
+              <a:avLst/>
+              <a:gdLst/>
+              <a:ahLst/>
+              <a:cxnLst/>
+              <a:rect l="l" t="t" r="r" b="b"/>
+              <a:pathLst>
+                <a:path w="10000" h="8000">
+                  <a:moveTo>
+                    <a:pt x="0" y="0"/>
+                  </a:moveTo>
+                  <a:lnTo>
+                    <a:pt x="0" y="7970"/>
+                  </a:lnTo>
+                  <a:lnTo>
+                    <a:pt x="10000" y="8000"/>
+                  </a:lnTo>
+                  <a:lnTo>
+                    <a:pt x="10000" y="7"/>
+                  </a:lnTo>
+                  <a:lnTo>
+                    <a:pt x="10000" y="7"/>
+                  </a:lnTo>
+                  <a:lnTo>
+                    <a:pt x="9773" y="156"/>
+                  </a:lnTo>
+                  <a:lnTo>
+                    <a:pt x="9547" y="298"/>
+                  </a:lnTo>
+                  <a:lnTo>
+                    <a:pt x="9320" y="437"/>
+                  </a:lnTo>
+                  <a:lnTo>
+                    <a:pt x="9092" y="556"/>
+                  </a:lnTo>
+                  <a:lnTo>
+                    <a:pt x="8865" y="676"/>
+                  </a:lnTo>
+                  <a:lnTo>
+                    <a:pt x="8637" y="788"/>
+                  </a:lnTo>
+                  <a:lnTo>
+                    <a:pt x="8412" y="884"/>
+                  </a:lnTo>
+                  <a:lnTo>
+                    <a:pt x="8184" y="975"/>
+                  </a:lnTo>
+                  <a:lnTo>
+                    <a:pt x="7957" y="1058"/>
+                  </a:lnTo>
+                  <a:lnTo>
+                    <a:pt x="7734" y="1130"/>
+                  </a:lnTo>
+                  <a:lnTo>
+                    <a:pt x="7508" y="1202"/>
+                  </a:lnTo>
+                  <a:lnTo>
+                    <a:pt x="7285" y="1262"/>
+                  </a:lnTo>
+                  <a:lnTo>
+                    <a:pt x="7062" y="1309"/>
+                  </a:lnTo>
+                  <a:lnTo>
+                    <a:pt x="6840" y="1358"/>
+                  </a:lnTo>
+                  <a:lnTo>
+                    <a:pt x="6620" y="1399"/>
+                  </a:lnTo>
+                  <a:lnTo>
+                    <a:pt x="6402" y="1428"/>
+                  </a:lnTo>
+                  <a:lnTo>
+                    <a:pt x="6184" y="1453"/>
+                  </a:lnTo>
+                  <a:lnTo>
+                    <a:pt x="5968" y="1477"/>
+                  </a:lnTo>
+                  <a:lnTo>
+                    <a:pt x="5755" y="1488"/>
+                  </a:lnTo>
+                  <a:lnTo>
+                    <a:pt x="5542" y="1500"/>
+                  </a:lnTo>
+                  <a:lnTo>
+                    <a:pt x="5332" y="1506"/>
+                  </a:lnTo>
+                  <a:lnTo>
+                    <a:pt x="5124" y="1500"/>
+                  </a:lnTo>
+                  <a:lnTo>
+                    <a:pt x="4918" y="1500"/>
+                  </a:lnTo>
+                  <a:lnTo>
+                    <a:pt x="4714" y="1488"/>
+                  </a:lnTo>
+                  <a:lnTo>
+                    <a:pt x="4514" y="1470"/>
+                  </a:lnTo>
+                  <a:lnTo>
+                    <a:pt x="4316" y="1453"/>
+                  </a:lnTo>
+                  <a:lnTo>
+                    <a:pt x="4122" y="1434"/>
+                  </a:lnTo>
+                  <a:lnTo>
+                    <a:pt x="3929" y="1405"/>
+                  </a:lnTo>
+                  <a:lnTo>
+                    <a:pt x="3739" y="1374"/>
+                  </a:lnTo>
+                  <a:lnTo>
+                    <a:pt x="3553" y="1346"/>
+                  </a:lnTo>
+                  <a:lnTo>
+                    <a:pt x="3190" y="1267"/>
+                  </a:lnTo>
+                  <a:lnTo>
+                    <a:pt x="2842" y="1183"/>
+                  </a:lnTo>
+                  <a:lnTo>
+                    <a:pt x="2508" y="1095"/>
+                  </a:lnTo>
+                  <a:lnTo>
+                    <a:pt x="2192" y="998"/>
+                  </a:lnTo>
+                  <a:lnTo>
+                    <a:pt x="1890" y="897"/>
+                  </a:lnTo>
+                  <a:lnTo>
+                    <a:pt x="1610" y="788"/>
+                  </a:lnTo>
+                  <a:lnTo>
+                    <a:pt x="1347" y="681"/>
+                  </a:lnTo>
+                  <a:lnTo>
+                    <a:pt x="1105" y="574"/>
+                  </a:lnTo>
+                  <a:lnTo>
+                    <a:pt x="883" y="473"/>
+                  </a:lnTo>
+                  <a:lnTo>
+                    <a:pt x="686" y="377"/>
+                  </a:lnTo>
+                  <a:lnTo>
+                    <a:pt x="508" y="286"/>
+                  </a:lnTo>
+                  <a:lnTo>
+                    <a:pt x="358" y="210"/>
+                  </a:lnTo>
+                  <a:lnTo>
+                    <a:pt x="232" y="138"/>
+                  </a:lnTo>
+                  <a:lnTo>
+                    <a:pt x="59" y="35"/>
+                  </a:lnTo>
+                  <a:lnTo>
+                    <a:pt x="0" y="0"/>
+                  </a:lnTo>
+                  <a:lnTo>
+                    <a:pt x="0" y="0"/>
+                  </a:lnTo>
+                  <a:close/>
+                </a:path>
+              </a:pathLst>
+            </a:custGeom>
+            <a:solidFill>
+              <a:schemeClr val="bg1"/>
+            </a:solidFill>
+            <a:ln>
+              <a:noFill/>
+            </a:ln>
+          </p:spPr>
+        </p:sp>
+        <p:sp>
+          <p:nvSpPr>
+            <p:cNvPr id="27" name="Freeform 5">
+              <a:extLst>
+                <a:ext uri="{FF2B5EF4-FFF2-40B4-BE49-F238E27FC236}">
+                  <a16:creationId xmlns:a16="http://schemas.microsoft.com/office/drawing/2014/main" id="{467A9BDB-6572-473C-B2E5-C1AC2F7163D1}"/>
+                </a:ext>
+                <a:ext uri="{C183D7F6-B498-43B3-948B-1728B52AA6E4}">
+                  <adec:decorative xmlns:adec="http://schemas.microsoft.com/office/drawing/2017/decorative" val="1"/>
+                </a:ext>
+              </a:extLst>
+            </p:cNvPr>
+            <p:cNvSpPr/>
+            <p:nvPr>
+              <p:extLst>
+                <p:ext uri="{386F3935-93C4-4BCD-93E2-E3B085C9AB24}">
+                  <p16:designElem xmlns:p16="http://schemas.microsoft.com/office/powerpoint/2015/main" val="1"/>
+                </p:ext>
+              </p:extLst>
+            </p:nvPr>
+          </p:nvSpPr>
+          <p:spPr bwMode="gray">
+            <a:xfrm rot="5677511" flipH="1">
+              <a:off x="6459831" y="1826079"/>
+              <a:ext cx="3299407" cy="440924"/>
+            </a:xfrm>
+            <a:custGeom>
+              <a:avLst/>
+              <a:gdLst/>
+              <a:ahLst/>
+              <a:cxnLst/>
+              <a:rect l="l" t="t" r="r" b="b"/>
+              <a:pathLst>
+                <a:path w="10000" h="5291">
+                  <a:moveTo>
+                    <a:pt x="85" y="2532"/>
+                  </a:moveTo>
+                  <a:cubicBezTo>
+                    <a:pt x="1736" y="3911"/>
+                    <a:pt x="7524" y="5298"/>
+                    <a:pt x="9958" y="5291"/>
+                  </a:cubicBezTo>
+                  <a:cubicBezTo>
+                    <a:pt x="9989" y="1958"/>
+                    <a:pt x="9969" y="3333"/>
+                    <a:pt x="10000" y="0"/>
+                  </a:cubicBezTo>
+                  <a:lnTo>
+                    <a:pt x="10000" y="0"/>
+                  </a:lnTo>
+                  <a:lnTo>
+                    <a:pt x="9667" y="204"/>
+                  </a:lnTo>
+                  <a:lnTo>
+                    <a:pt x="9334" y="400"/>
+                  </a:lnTo>
+                  <a:lnTo>
+                    <a:pt x="9001" y="590"/>
+                  </a:lnTo>
+                  <a:lnTo>
+                    <a:pt x="8667" y="753"/>
+                  </a:lnTo>
+                  <a:lnTo>
+                    <a:pt x="8333" y="917"/>
+                  </a:lnTo>
+                  <a:lnTo>
+                    <a:pt x="7999" y="1071"/>
+                  </a:lnTo>
+                  <a:lnTo>
+                    <a:pt x="7669" y="1202"/>
+                  </a:lnTo>
+                  <a:lnTo>
+                    <a:pt x="7333" y="1325"/>
+                  </a:lnTo>
+                  <a:lnTo>
+                    <a:pt x="7000" y="1440"/>
+                  </a:lnTo>
+                  <a:lnTo>
+                    <a:pt x="6673" y="1538"/>
+                  </a:lnTo>
+                  <a:lnTo>
+                    <a:pt x="6340" y="1636"/>
+                  </a:lnTo>
+                  <a:lnTo>
+                    <a:pt x="6013" y="1719"/>
+                  </a:lnTo>
+                  <a:lnTo>
+                    <a:pt x="5686" y="1784"/>
+                  </a:lnTo>
+                  <a:lnTo>
+                    <a:pt x="5359" y="1850"/>
+                  </a:lnTo>
+                  <a:lnTo>
+                    <a:pt x="5036" y="1906"/>
+                  </a:lnTo>
+                  <a:lnTo>
+                    <a:pt x="4717" y="1948"/>
+                  </a:lnTo>
+                  <a:lnTo>
+                    <a:pt x="4396" y="1980"/>
+                  </a:lnTo>
+                  <a:lnTo>
+                    <a:pt x="4079" y="2013"/>
+                  </a:lnTo>
+                  <a:lnTo>
+                    <a:pt x="3766" y="2029"/>
+                  </a:lnTo>
+                  <a:lnTo>
+                    <a:pt x="3454" y="2046"/>
+                  </a:lnTo>
+                  <a:lnTo>
+                    <a:pt x="3145" y="2053"/>
+                  </a:lnTo>
+                  <a:lnTo>
+                    <a:pt x="2839" y="2046"/>
+                  </a:lnTo>
+                  <a:lnTo>
+                    <a:pt x="2537" y="2046"/>
+                  </a:lnTo>
+                  <a:lnTo>
+                    <a:pt x="2238" y="2029"/>
+                  </a:lnTo>
+                  <a:lnTo>
+                    <a:pt x="1943" y="2004"/>
+                  </a:lnTo>
+                  <a:lnTo>
+                    <a:pt x="1653" y="1980"/>
+                  </a:lnTo>
+                  <a:lnTo>
+                    <a:pt x="1368" y="1955"/>
+                  </a:lnTo>
+                  <a:lnTo>
+                    <a:pt x="1085" y="1915"/>
+                  </a:lnTo>
+                  <a:lnTo>
+                    <a:pt x="806" y="1873"/>
+                  </a:lnTo>
+                  <a:lnTo>
+                    <a:pt x="533" y="1833"/>
+                  </a:lnTo>
+                  <a:lnTo>
+                    <a:pt x="0" y="1726"/>
+                  </a:lnTo>
+                  <a:cubicBezTo>
+                    <a:pt x="28" y="1995"/>
+                    <a:pt x="57" y="2263"/>
+                    <a:pt x="85" y="2532"/>
+                  </a:cubicBezTo>
+                  <a:close/>
+                </a:path>
+              </a:pathLst>
+            </a:custGeom>
+            <a:solidFill>
+              <a:schemeClr val="bg1">
+                <a:alpha val="20000"/>
+              </a:schemeClr>
+            </a:solidFill>
+            <a:ln>
+              <a:noFill/>
+            </a:ln>
+          </p:spPr>
+        </p:sp>
+      </p:grpSp>
+      <p:pic>
+        <p:nvPicPr>
+          <p:cNvPr id="7" name="Imagen 6" descr="Imagen que contiene objeto, reloj&#10;&#10;Descripción generada automáticamente">
+            <a:extLst>
+              <a:ext uri="{FF2B5EF4-FFF2-40B4-BE49-F238E27FC236}">
+                <a16:creationId xmlns:a16="http://schemas.microsoft.com/office/drawing/2014/main" id="{40446302-B554-40C5-8078-5198632C2FA0}"/>
+              </a:ext>
+            </a:extLst>
+          </p:cNvPr>
+          <p:cNvPicPr>
+            <a:picLocks noChangeAspect="1"/>
+          </p:cNvPicPr>
+          <p:nvPr/>
+        </p:nvPicPr>
+        <p:blipFill>
+          <a:blip r:embed="rId3"/>
+          <a:stretch>
+            <a:fillRect/>
+          </a:stretch>
+        </p:blipFill>
+        <p:spPr>
+          <a:xfrm>
+            <a:off x="292367" y="813526"/>
+            <a:ext cx="7692572" cy="5230948"/>
+          </a:xfrm>
+          <a:prstGeom prst="rect">
+            <a:avLst/>
+          </a:prstGeom>
+        </p:spPr>
+      </p:pic>
     </p:spTree>
     <p:extLst>
       <p:ext uri="{BB962C8B-B14F-4D97-AF65-F5344CB8AC3E}">

--- a/your-project/Proyecto 1 - Juego.pptx
+++ b/your-project/Proyecto 1 - Juego.pptx
@@ -6044,7 +6044,7 @@
             </a:pPr>
             <a:r>
               <a:rPr lang="es-ES" dirty="0"/>
-              <a:t>El juego se trata de completar una palabra partiendo de una única letra (sin acentos). Cada letra correcta se va colocando en los espacios. Cada error, va dibujando la figura del ahorcado (intentos máximos: 4)</a:t>
+              <a:t>El juego se trata de completar una palabra partiendo de una única letra (sin acentos). Cada letra correcta se va colocando en los espacios. Cada error, va dibujando la figura del ahorcado (intentos máximos: 5)</a:t>
             </a:r>
           </a:p>
           <a:p>
@@ -6594,36 +6594,6 @@
           </a:p>
         </p:txBody>
       </p:sp>
-      <p:pic>
-        <p:nvPicPr>
-          <p:cNvPr id="4" name="Imagen 3" descr="Imagen que contiene reloj&#10;&#10;Descripción generada automáticamente">
-            <a:extLst>
-              <a:ext uri="{FF2B5EF4-FFF2-40B4-BE49-F238E27FC236}">
-                <a16:creationId xmlns:a16="http://schemas.microsoft.com/office/drawing/2014/main" id="{4520F463-BCDD-4633-93B1-564363DDD654}"/>
-              </a:ext>
-            </a:extLst>
-          </p:cNvPr>
-          <p:cNvPicPr>
-            <a:picLocks noChangeAspect="1"/>
-          </p:cNvPicPr>
-          <p:nvPr/>
-        </p:nvPicPr>
-        <p:blipFill>
-          <a:blip r:embed="rId3"/>
-          <a:stretch>
-            <a:fillRect/>
-          </a:stretch>
-        </p:blipFill>
-        <p:spPr>
-          <a:xfrm>
-            <a:off x="-92397" y="276225"/>
-            <a:ext cx="9826947" cy="6465685"/>
-          </a:xfrm>
-          <a:prstGeom prst="rect">
-            <a:avLst/>
-          </a:prstGeom>
-        </p:spPr>
-      </p:pic>
       <p:sp>
         <p:nvSpPr>
           <p:cNvPr id="5" name="Rectángulo 4">
@@ -6653,7 +6623,7 @@
           <a:p>
             <a:r>
               <a:rPr lang="es-MX" sz="1200" dirty="0">
-                <a:hlinkClick r:id="rId4"/>
+                <a:hlinkClick r:id="rId3"/>
               </a:rPr>
               <a:t>https://www.lucidchart.com/publicSegments/view/32d540d0-482b-478c-8fcf-bc637512f9eb/image.png</a:t>
             </a:r>
@@ -6780,6 +6750,36 @@
           </p:txBody>
         </p:sp>
       </p:grpSp>
+      <p:pic>
+        <p:nvPicPr>
+          <p:cNvPr id="6" name="Imagen 5" descr="Imagen que contiene reloj&#10;&#10;Descripción generada automáticamente">
+            <a:extLst>
+              <a:ext uri="{FF2B5EF4-FFF2-40B4-BE49-F238E27FC236}">
+                <a16:creationId xmlns:a16="http://schemas.microsoft.com/office/drawing/2014/main" id="{5F61DBAB-C078-443C-BD74-B7F3159998E5}"/>
+              </a:ext>
+            </a:extLst>
+          </p:cNvPr>
+          <p:cNvPicPr>
+            <a:picLocks noChangeAspect="1"/>
+          </p:cNvPicPr>
+          <p:nvPr/>
+        </p:nvPicPr>
+        <p:blipFill>
+          <a:blip r:embed="rId4"/>
+          <a:stretch>
+            <a:fillRect/>
+          </a:stretch>
+        </p:blipFill>
+        <p:spPr>
+          <a:xfrm>
+            <a:off x="0" y="142613"/>
+            <a:ext cx="9901624" cy="6858000"/>
+          </a:xfrm>
+          <a:prstGeom prst="rect">
+            <a:avLst/>
+          </a:prstGeom>
+        </p:spPr>
+      </p:pic>
     </p:spTree>
     <p:extLst>
       <p:ext uri="{BB962C8B-B14F-4D97-AF65-F5344CB8AC3E}">
@@ -6859,6 +6859,53 @@
           <a:bodyPr/>
           <a:lstStyle/>
           <a:p>
+            <a:pPr marL="0" indent="0">
+              <a:buNone/>
+            </a:pPr>
+            <a:r>
+              <a:rPr lang="es-MX" dirty="0"/>
+              <a:t>Retos	</a:t>
+            </a:r>
+          </a:p>
+          <a:p>
+            <a:pPr lvl="1"/>
+            <a:r>
+              <a:rPr lang="es-MX" dirty="0"/>
+              <a:t>Establecer el flujo del juego</a:t>
+            </a:r>
+          </a:p>
+          <a:p>
+            <a:pPr lvl="1"/>
+            <a:r>
+              <a:rPr lang="es-MX" dirty="0"/>
+              <a:t>Determinar  la imagen con base en los intentos fallidos.</a:t>
+            </a:r>
+          </a:p>
+          <a:p>
+            <a:pPr marL="0" indent="0">
+              <a:buNone/>
+            </a:pPr>
+            <a:endParaRPr lang="es-MX"/>
+          </a:p>
+          <a:p>
+            <a:pPr marL="0" indent="0">
+              <a:buNone/>
+            </a:pPr>
+            <a:r>
+              <a:rPr lang="es-MX"/>
+              <a:t>Oportunidades</a:t>
+            </a:r>
+            <a:endParaRPr lang="es-MX" dirty="0"/>
+          </a:p>
+          <a:p>
+            <a:pPr lvl="1"/>
+            <a:r>
+              <a:rPr lang="es-MX" dirty="0"/>
+              <a:t>Configurar opciones de intentos fallidos permitidos en el juego.</a:t>
+            </a:r>
+          </a:p>
+          <a:p>
+            <a:pPr lvl="1"/>
             <a:r>
               <a:rPr lang="es-MX" dirty="0"/>
               <a:t>Agregar un “</a:t>
@@ -6869,11 +6916,7 @@
             </a:r>
             <a:r>
               <a:rPr lang="es-MX" dirty="0"/>
-              <a:t> o hit” después de haber fallado </a:t>
-            </a:r>
-            <a:r>
-              <a:rPr lang="es-MX"/>
-              <a:t>dos veces.</a:t>
+              <a:t> o hit” después de haber fallado dos veces.</a:t>
             </a:r>
           </a:p>
         </p:txBody>

--- a/your-project/Proyecto 1 - Juego.pptx
+++ b/your-project/Proyecto 1 - Juego.pptx
@@ -313,7 +313,7 @@
             <a:fld id="{E9462EF3-3C4F-43EE-ACEE-D4B806740EA3}" type="datetimeFigureOut">
               <a:rPr lang="en-US" smtClean="0"/>
               <a:pPr/>
-              <a:t>4/17/2020</a:t>
+              <a:t>4/18/2020</a:t>
             </a:fld>
             <a:endParaRPr lang="en-US" dirty="0"/>
           </a:p>
@@ -595,7 +595,7 @@
           <a:p>
             <a:fld id="{36343B39-165A-4B68-AA5C-581F5336313C}" type="datetimeFigureOut">
               <a:rPr lang="en-US" smtClean="0"/>
-              <a:t>4/17/2020</a:t>
+              <a:t>4/18/2020</a:t>
             </a:fld>
             <a:endParaRPr lang="en-US" dirty="0"/>
           </a:p>
@@ -788,7 +788,7 @@
           <a:p>
             <a:fld id="{942C8C57-33F9-4259-AC4F-0E3F5BEC9B94}" type="datetimeFigureOut">
               <a:rPr lang="en-US" smtClean="0"/>
-              <a:t>4/17/2020</a:t>
+              <a:t>4/18/2020</a:t>
             </a:fld>
             <a:endParaRPr lang="en-US" dirty="0"/>
           </a:p>
@@ -1050,7 +1050,7 @@
           <a:p>
             <a:fld id="{90786BE5-D2A3-4BF0-8B30-D7403E61B3DC}" type="datetimeFigureOut">
               <a:rPr lang="en-US" smtClean="0"/>
-              <a:t>4/17/2020</a:t>
+              <a:t>4/18/2020</a:t>
             </a:fld>
             <a:endParaRPr lang="en-US" dirty="0"/>
           </a:p>
@@ -1478,7 +1478,7 @@
           <a:p>
             <a:fld id="{90786BE5-D2A3-4BF0-8B30-D7403E61B3DC}" type="datetimeFigureOut">
               <a:rPr lang="en-US" smtClean="0"/>
-              <a:t>4/17/2020</a:t>
+              <a:t>4/18/2020</a:t>
             </a:fld>
             <a:endParaRPr lang="en-US" dirty="0"/>
           </a:p>
@@ -2026,7 +2026,7 @@
           <a:p>
             <a:fld id="{1ADDA17D-0BEA-4E76-A7FC-F7C188BC48D1}" type="datetimeFigureOut">
               <a:rPr lang="en-US" smtClean="0"/>
-              <a:t>4/17/2020</a:t>
+              <a:t>4/18/2020</a:t>
             </a:fld>
             <a:endParaRPr lang="en-US" dirty="0"/>
           </a:p>
@@ -2858,7 +2858,7 @@
           <a:p>
             <a:fld id="{6909AC7D-18CA-4236-82B9-D75EB1D66EAE}" type="datetimeFigureOut">
               <a:rPr lang="en-US" smtClean="0"/>
-              <a:t>4/17/2020</a:t>
+              <a:t>4/18/2020</a:t>
             </a:fld>
             <a:endParaRPr lang="en-US" dirty="0"/>
           </a:p>
@@ -3029,7 +3029,7 @@
           <a:p>
             <a:fld id="{5568300E-C023-45CD-A0BE-EDB7A8C6EA8B}" type="datetimeFigureOut">
               <a:rPr lang="en-US" smtClean="0"/>
-              <a:t>4/17/2020</a:t>
+              <a:t>4/18/2020</a:t>
             </a:fld>
             <a:endParaRPr lang="en-US" dirty="0"/>
           </a:p>
@@ -3210,7 +3210,7 @@
           <a:p>
             <a:fld id="{3B620EAD-E369-4933-8469-ED7764B56A1B}" type="datetimeFigureOut">
               <a:rPr lang="en-US" smtClean="0"/>
-              <a:t>4/17/2020</a:t>
+              <a:t>4/18/2020</a:t>
             </a:fld>
             <a:endParaRPr lang="en-US" dirty="0"/>
           </a:p>
@@ -3381,7 +3381,7 @@
           <a:p>
             <a:fld id="{076C0EF2-9919-473B-8215-8616BAF10692}" type="datetimeFigureOut">
               <a:rPr lang="en-US" smtClean="0"/>
-              <a:t>4/17/2020</a:t>
+              <a:t>4/18/2020</a:t>
             </a:fld>
             <a:endParaRPr lang="en-US" dirty="0"/>
           </a:p>
@@ -3639,7 +3639,7 @@
           <a:p>
             <a:fld id="{A09472EB-AC54-4713-BFC2-BEB621108C63}" type="datetimeFigureOut">
               <a:rPr lang="en-US" smtClean="0"/>
-              <a:t>4/17/2020</a:t>
+              <a:t>4/18/2020</a:t>
             </a:fld>
             <a:endParaRPr lang="en-US" dirty="0"/>
           </a:p>
@@ -3872,7 +3872,7 @@
           <a:p>
             <a:fld id="{99455A0C-791E-4545-B787-F98AD45CD761}" type="datetimeFigureOut">
               <a:rPr lang="en-US" smtClean="0"/>
-              <a:t>4/17/2020</a:t>
+              <a:t>4/18/2020</a:t>
             </a:fld>
             <a:endParaRPr lang="en-US" dirty="0"/>
           </a:p>
@@ -4266,7 +4266,7 @@
           <a:p>
             <a:fld id="{42536B77-F4F4-4427-AC4F-9A623798AD82}" type="datetimeFigureOut">
               <a:rPr lang="en-US" smtClean="0"/>
-              <a:t>4/17/2020</a:t>
+              <a:t>4/18/2020</a:t>
             </a:fld>
             <a:endParaRPr lang="en-US" dirty="0"/>
           </a:p>
@@ -4385,7 +4385,7 @@
           <a:p>
             <a:fld id="{D8BE790C-34EB-4565-8437-CACF4CDB7822}" type="datetimeFigureOut">
               <a:rPr lang="en-US" smtClean="0"/>
-              <a:t>4/17/2020</a:t>
+              <a:t>4/18/2020</a:t>
             </a:fld>
             <a:endParaRPr lang="en-US" dirty="0"/>
           </a:p>
@@ -4481,7 +4481,7 @@
           <a:p>
             <a:fld id="{F84A4C11-22B8-4A4E-8126-B3AF6B948A8E}" type="datetimeFigureOut">
               <a:rPr lang="en-US" smtClean="0"/>
-              <a:t>4/17/2020</a:t>
+              <a:t>4/18/2020</a:t>
             </a:fld>
             <a:endParaRPr lang="en-US" dirty="0"/>
           </a:p>
@@ -4755,7 +4755,7 @@
           <a:p>
             <a:fld id="{16ED06B6-C816-4861-964D-15A98395707D}" type="datetimeFigureOut">
               <a:rPr lang="en-US" smtClean="0"/>
-              <a:t>4/17/2020</a:t>
+              <a:t>4/18/2020</a:t>
             </a:fld>
             <a:endParaRPr lang="en-US" dirty="0"/>
           </a:p>
@@ -5037,7 +5037,7 @@
           <a:p>
             <a:fld id="{00B1A8AB-EA7C-4B1B-9D73-E2551851FABE}" type="datetimeFigureOut">
               <a:rPr lang="en-US" smtClean="0"/>
-              <a:t>4/17/2020</a:t>
+              <a:t>4/18/2020</a:t>
             </a:fld>
             <a:endParaRPr lang="en-US" dirty="0"/>
           </a:p>
@@ -5278,7 +5278,7 @@
           <a:p>
             <a:fld id="{90786BE5-D2A3-4BF0-8B30-D7403E61B3DC}" type="datetimeFigureOut">
               <a:rPr lang="en-US" smtClean="0"/>
-              <a:t>4/17/2020</a:t>
+              <a:t>4/18/2020</a:t>
             </a:fld>
             <a:endParaRPr lang="en-US" dirty="0"/>
           </a:p>
